--- a/sets/demo/AgeReport.pptx
+++ b/sets/demo/AgeReport.pptx
@@ -1477,7 +1477,7 @@
       </p:grpSpPr>
       <p:sp>
         <p:nvSpPr>
-          <p:cNvPr id="2" name="Content Placeholder 1" descr="/*{{value:birthday.csv}}*/">
+          <p:cNvPr id="2" name="Content Placeholder 1" descr="/*{{values:birthday.csv}}*/">
             <a:extLst>
               <a:ext uri="{FF2B5EF4-FFF2-40B4-BE49-F238E27FC236}">
                 <a16:creationId xmlns:a16="http://schemas.microsoft.com/office/drawing/2014/main" id="{F97D998F-66F4-C946-B466-CDDEBACD4777}"/>
@@ -2331,18 +2331,18 @@
 </file>
 
 <file path=customXml/item1.xml><?xml version="1.0" encoding="utf-8"?>
-<p:properties xmlns:p="http://schemas.microsoft.com/office/2006/metadata/properties" xmlns:xsi="http://www.w3.org/2001/XMLSchema-instance" xmlns:pc="http://schemas.microsoft.com/office/infopath/2007/PartnerControls">
-  <documentManagement/>
-</p:properties>
-</file>
-
-<file path=customXml/item2.xml><?xml version="1.0" encoding="utf-8"?>
 <?mso-contentType ?>
 <FormTemplates xmlns="http://schemas.microsoft.com/sharepoint/v3/contenttype/forms">
   <Display>DocumentLibraryForm</Display>
   <Edit>DocumentLibraryForm</Edit>
   <New>DocumentLibraryForm</New>
 </FormTemplates>
+</file>
+
+<file path=customXml/item2.xml><?xml version="1.0" encoding="utf-8"?>
+<p:properties xmlns:p="http://schemas.microsoft.com/office/2006/metadata/properties" xmlns:xsi="http://www.w3.org/2001/XMLSchema-instance" xmlns:pc="http://schemas.microsoft.com/office/infopath/2007/PartnerControls">
+  <documentManagement/>
+</p:properties>
 </file>
 
 <file path=customXml/item3.xml><?xml version="1.0" encoding="utf-8"?>
@@ -2557,6 +2557,14 @@
 </file>
 
 <file path=customXml/itemProps1.xml><?xml version="1.0" encoding="utf-8"?>
+<ds:datastoreItem xmlns:ds="http://schemas.openxmlformats.org/officeDocument/2006/customXml" ds:itemID="{027D0A69-7C10-4C42-B337-3FE1EF648C0F}">
+  <ds:schemaRefs>
+    <ds:schemaRef ds:uri="http://schemas.microsoft.com/sharepoint/v3/contenttype/forms"/>
+  </ds:schemaRefs>
+</ds:datastoreItem>
+</file>
+
+<file path=customXml/itemProps2.xml><?xml version="1.0" encoding="utf-8"?>
 <ds:datastoreItem xmlns:ds="http://schemas.openxmlformats.org/officeDocument/2006/customXml" ds:itemID="{DEA338E5-26D2-4988-85C9-AE66D978EB05}">
   <ds:schemaRefs>
     <ds:schemaRef ds:uri="http://purl.org/dc/terms/"/>
@@ -2569,14 +2577,6 @@
     <ds:schemaRef ds:uri="http://schemas.microsoft.com/office/2006/metadata/properties"/>
     <ds:schemaRef ds:uri="http://schemas.microsoft.com/office/infopath/2007/PartnerControls"/>
     <ds:schemaRef ds:uri="7d2247ee-dcae-49b5-8e6a-08fc19cc9b93"/>
-  </ds:schemaRefs>
-</ds:datastoreItem>
-</file>
-
-<file path=customXml/itemProps2.xml><?xml version="1.0" encoding="utf-8"?>
-<ds:datastoreItem xmlns:ds="http://schemas.openxmlformats.org/officeDocument/2006/customXml" ds:itemID="{027D0A69-7C10-4C42-B337-3FE1EF648C0F}">
-  <ds:schemaRefs>
-    <ds:schemaRef ds:uri="http://schemas.microsoft.com/sharepoint/v3/contenttype/forms"/>
   </ds:schemaRefs>
 </ds:datastoreItem>
 </file>

--- a/sets/demo/AgeReport.pptx
+++ b/sets/demo/AgeReport.pptx
@@ -198,7 +198,7 @@
           <a:p>
             <a:fld id="{8B9BD9A1-A981-5248-BB0F-33986E75BC56}" type="datetimeFigureOut">
               <a:rPr lang="en-US" smtClean="0"/>
-              <a:t>5/17/20</a:t>
+              <a:t>6/1/20</a:t>
             </a:fld>
             <a:endParaRPr lang="en-US"/>
           </a:p>
@@ -1398,7 +1398,7 @@
       </p:sp>
       <p:sp>
         <p:nvSpPr>
-          <p:cNvPr id="4" name="Rectangle 3" descr="/*{{picture:alldates.png}}*/">
+          <p:cNvPr id="4" name="Rectangle 3">
             <a:extLst>
               <a:ext uri="{FF2B5EF4-FFF2-40B4-BE49-F238E27FC236}">
                 <a16:creationId xmlns:a16="http://schemas.microsoft.com/office/drawing/2014/main" id="{1649C2FA-8BEE-334C-ACCF-CF9C68CB02BE}"/>
@@ -1440,7 +1440,15 @@
             <a:pPr algn="ctr"/>
             <a:r>
               <a:rPr lang="en-US" dirty="0"/>
-              <a:t>Check out my “Alt Text” for details.  This  object should be deleted and replaced with an image.</a:t>
+              <a:t>{{</a:t>
+            </a:r>
+            <a:r>
+              <a:rPr lang="en-US" dirty="0" err="1"/>
+              <a:t>pic:alldates.png</a:t>
+            </a:r>
+            <a:r>
+              <a:rPr lang="en-US" dirty="0"/>
+              <a:t>}}</a:t>
             </a:r>
           </a:p>
         </p:txBody>
@@ -1506,7 +1514,15 @@
             </a:pPr>
             <a:r>
               <a:rPr lang="en-US" dirty="0"/>
-              <a:t>If my birthday is {{1:1}}, this is how I stack-up:</a:t>
+              <a:t>If my birthday is {{</a:t>
+            </a:r>
+            <a:r>
+              <a:rPr lang="en-US" dirty="0" err="1"/>
+              <a:t>val:birthday.csv</a:t>
+            </a:r>
+            <a:r>
+              <a:rPr lang="en-US" dirty="0"/>
+              <a:t>[1:1]}}, this is how I stack-up:</a:t>
             </a:r>
           </a:p>
         </p:txBody>
@@ -1541,7 +1557,7 @@
       </p:sp>
       <p:graphicFrame>
         <p:nvGraphicFramePr>
-          <p:cNvPr id="5" name="Table 4" descr="/*{{table:alldates.png}}*/">
+          <p:cNvPr id="5" name="Table 4">
             <a:extLst>
               <a:ext uri="{FF2B5EF4-FFF2-40B4-BE49-F238E27FC236}">
                 <a16:creationId xmlns:a16="http://schemas.microsoft.com/office/drawing/2014/main" id="{9898225C-05F6-6C47-9E31-48638201E7C5}"/>
@@ -1554,7 +1570,7 @@
           <p:nvPr>
             <p:extLst>
               <p:ext uri="{D42A27DB-BD31-4B8C-83A1-F6EECF244321}">
-                <p14:modId xmlns:p14="http://schemas.microsoft.com/office/powerpoint/2010/main" val="3380905220"/>
+                <p14:modId xmlns:p14="http://schemas.microsoft.com/office/powerpoint/2010/main" val="1338378015"/>
               </p:ext>
             </p:extLst>
           </p:nvPr>
@@ -1570,14 +1586,14 @@
                 <a:tableStyleId>{5C22544A-7EE6-4342-B048-85BDC9FD1C3A}</a:tableStyleId>
               </a:tblPr>
               <a:tblGrid>
-                <a:gridCol w="1744354">
+                <a:gridCol w="2312390">
                   <a:extLst>
                     <a:ext uri="{9D8B030D-6E8A-4147-A177-3AD203B41FA5}">
                       <a16:colId xmlns:a16="http://schemas.microsoft.com/office/drawing/2014/main" val="2458528294"/>
                     </a:ext>
                   </a:extLst>
                 </a:gridCol>
-                <a:gridCol w="3586348">
+                <a:gridCol w="3018312">
                   <a:extLst>
                     <a:ext uri="{9D8B030D-6E8A-4147-A177-3AD203B41FA5}">
                       <a16:colId xmlns:a16="http://schemas.microsoft.com/office/drawing/2014/main" val="4269693628"/>
@@ -1605,7 +1621,18 @@
                     <a:bodyPr/>
                     <a:lstStyle/>
                     <a:p>
-                      <a:endParaRPr lang="en-US" dirty="0"/>
+                      <a:r>
+                        <a:rPr lang="en-US" dirty="0"/>
+                        <a:t>{{</a:t>
+                      </a:r>
+                      <a:r>
+                        <a:rPr lang="en-US" dirty="0" err="1"/>
+                        <a:t>col:dates.csv</a:t>
+                      </a:r>
+                      <a:r>
+                        <a:rPr lang="en-US" dirty="0"/>
+                        <a:t>[1]}}</a:t>
+                      </a:r>
                     </a:p>
                   </a:txBody>
                   <a:tcPr/>
@@ -1632,7 +1659,18 @@
                         <a:tabLst/>
                         <a:defRPr/>
                       </a:pPr>
-                      <a:endParaRPr lang="en-US" b="0" dirty="0"/>
+                      <a:r>
+                        <a:rPr lang="en-US" dirty="0"/>
+                        <a:t>{{</a:t>
+                      </a:r>
+                      <a:r>
+                        <a:rPr lang="en-US" dirty="0" err="1"/>
+                        <a:t>col:dates.csv</a:t>
+                      </a:r>
+                      <a:r>
+                        <a:rPr lang="en-US" dirty="0"/>
+                        <a:t>[2]}}</a:t>
+                      </a:r>
                     </a:p>
                   </a:txBody>
                   <a:tcPr/>
@@ -2331,18 +2369,18 @@
 </file>
 
 <file path=customXml/item1.xml><?xml version="1.0" encoding="utf-8"?>
+<p:properties xmlns:p="http://schemas.microsoft.com/office/2006/metadata/properties" xmlns:xsi="http://www.w3.org/2001/XMLSchema-instance" xmlns:pc="http://schemas.microsoft.com/office/infopath/2007/PartnerControls">
+  <documentManagement/>
+</p:properties>
+</file>
+
+<file path=customXml/item2.xml><?xml version="1.0" encoding="utf-8"?>
 <?mso-contentType ?>
 <FormTemplates xmlns="http://schemas.microsoft.com/sharepoint/v3/contenttype/forms">
   <Display>DocumentLibraryForm</Display>
   <Edit>DocumentLibraryForm</Edit>
   <New>DocumentLibraryForm</New>
 </FormTemplates>
-</file>
-
-<file path=customXml/item2.xml><?xml version="1.0" encoding="utf-8"?>
-<p:properties xmlns:p="http://schemas.microsoft.com/office/2006/metadata/properties" xmlns:xsi="http://www.w3.org/2001/XMLSchema-instance" xmlns:pc="http://schemas.microsoft.com/office/infopath/2007/PartnerControls">
-  <documentManagement/>
-</p:properties>
 </file>
 
 <file path=customXml/item3.xml><?xml version="1.0" encoding="utf-8"?>
@@ -2557,14 +2595,6 @@
 </file>
 
 <file path=customXml/itemProps1.xml><?xml version="1.0" encoding="utf-8"?>
-<ds:datastoreItem xmlns:ds="http://schemas.openxmlformats.org/officeDocument/2006/customXml" ds:itemID="{027D0A69-7C10-4C42-B337-3FE1EF648C0F}">
-  <ds:schemaRefs>
-    <ds:schemaRef ds:uri="http://schemas.microsoft.com/sharepoint/v3/contenttype/forms"/>
-  </ds:schemaRefs>
-</ds:datastoreItem>
-</file>
-
-<file path=customXml/itemProps2.xml><?xml version="1.0" encoding="utf-8"?>
 <ds:datastoreItem xmlns:ds="http://schemas.openxmlformats.org/officeDocument/2006/customXml" ds:itemID="{DEA338E5-26D2-4988-85C9-AE66D978EB05}">
   <ds:schemaRefs>
     <ds:schemaRef ds:uri="http://purl.org/dc/terms/"/>
@@ -2577,6 +2607,14 @@
     <ds:schemaRef ds:uri="http://schemas.microsoft.com/office/2006/metadata/properties"/>
     <ds:schemaRef ds:uri="http://schemas.microsoft.com/office/infopath/2007/PartnerControls"/>
     <ds:schemaRef ds:uri="7d2247ee-dcae-49b5-8e6a-08fc19cc9b93"/>
+  </ds:schemaRefs>
+</ds:datastoreItem>
+</file>
+
+<file path=customXml/itemProps2.xml><?xml version="1.0" encoding="utf-8"?>
+<ds:datastoreItem xmlns:ds="http://schemas.openxmlformats.org/officeDocument/2006/customXml" ds:itemID="{027D0A69-7C10-4C42-B337-3FE1EF648C0F}">
+  <ds:schemaRefs>
+    <ds:schemaRef ds:uri="http://schemas.microsoft.com/sharepoint/v3/contenttype/forms"/>
   </ds:schemaRefs>
 </ds:datastoreItem>
 </file>
